--- a/SafetySeeds.pptx
+++ b/SafetySeeds.pptx
@@ -111,6 +111,11 @@
       </a:defRPr>
     </a:lvl9pPr>
   </p:defaultTextStyle>
+  <p:extLst>
+    <p:ext uri="{EFAFB233-063F-42B5-8137-9DF3F51BA10A}">
+      <p15:sldGuideLst xmlns:p15="http://schemas.microsoft.com/office/powerpoint/2012/main"/>
+    </p:ext>
+  </p:extLst>
 </p:presentation>
 </file>
 
@@ -3396,7 +3401,7 @@
                 <a:effectLst/>
                 <a:latin typeface="Helvetica" panose="020B0604020202020204" pitchFamily="34" charset="0"/>
               </a:rPr>
-              <a:t>We have emergency information continuously displayed on a phone. We will have it always available regardless of connectivity and based on the last known location. </a:t>
+              <a:t>We have emergency information inside pinned notification on a phone and app. We will have it always available regardless of connectivity and based on the last known location. </a:t>
             </a:r>
             <a:br>
               <a:rPr lang="en-US" dirty="0"/>
@@ -3460,14 +3465,7 @@
           <a:p>
             <a:r>
               <a:rPr lang="en-US" dirty="0"/>
-              <a:t>What is emergency services? </a:t>
-            </a:r>
-            <a:br>
-              <a:rPr lang="en-US" dirty="0"/>
-            </a:br>
-            <a:r>
-              <a:rPr lang="en-US" dirty="0"/>
-              <a:t>Matter of life or death</a:t>
+              <a:t>Primary emergency service locations</a:t>
             </a:r>
           </a:p>
         </p:txBody>
@@ -3601,64 +3599,54 @@
         <p:spPr/>
         <p:txBody>
           <a:bodyPr>
-            <a:normAutofit lnSpcReduction="10000"/>
+            <a:normAutofit/>
           </a:bodyPr>
           <a:lstStyle/>
           <a:p>
             <a:r>
               <a:rPr lang="en-US" dirty="0"/>
-              <a:t>Business providing aid</a:t>
+              <a:t>Shelters</a:t>
             </a:r>
           </a:p>
           <a:p>
             <a:pPr lvl="1"/>
             <a:r>
               <a:rPr lang="en-US" dirty="0"/>
-              <a:t>Businesses that have stated they will the community in case of large-scale emergencies</a:t>
-            </a:r>
-          </a:p>
-          <a:p>
+              <a:t>Emergency Shelters</a:t>
+            </a:r>
+          </a:p>
+          <a:p>
+            <a:pPr lvl="1"/>
+            <a:r>
+              <a:rPr lang="en-US" dirty="0"/>
+              <a:t>Homeless Shelters</a:t>
+            </a:r>
+          </a:p>
+          <a:p>
+            <a:r>
+              <a:rPr lang="en-US" dirty="0"/>
+              <a:t>Potential meeting spot for large scale emergencies</a:t>
+            </a:r>
+          </a:p>
+          <a:p>
+            <a:pPr lvl="1"/>
+            <a:r>
+              <a:rPr lang="en-US" dirty="0"/>
+              <a:t>CERT Meeting locations</a:t>
+            </a:r>
+          </a:p>
+          <a:p>
+            <a:pPr lvl="1"/>
+            <a:r>
+              <a:rPr lang="en-US" dirty="0"/>
+              <a:t>Colleges/Schools </a:t>
+            </a:r>
+          </a:p>
+          <a:p>
+            <a:pPr lvl="1"/>
             <a:r>
               <a:rPr lang="en-US" dirty="0"/>
               <a:t>Sports Arenas</a:t>
-            </a:r>
-          </a:p>
-          <a:p>
-            <a:pPr lvl="1"/>
-            <a:r>
-              <a:rPr lang="en-US" dirty="0"/>
-              <a:t>Potential meeting spot for large scale emergencies</a:t>
-            </a:r>
-          </a:p>
-          <a:p>
-            <a:r>
-              <a:rPr lang="en-US" dirty="0"/>
-              <a:t>CERT Meeting locations?</a:t>
-            </a:r>
-          </a:p>
-          <a:p>
-            <a:pPr lvl="1"/>
-            <a:r>
-              <a:rPr lang="en-US" dirty="0"/>
-              <a:t>I don’t know</a:t>
-            </a:r>
-          </a:p>
-          <a:p>
-            <a:r>
-              <a:rPr lang="en-US" dirty="0"/>
-              <a:t>Emergency Shelters</a:t>
-            </a:r>
-          </a:p>
-          <a:p>
-            <a:r>
-              <a:rPr lang="en-US" dirty="0"/>
-              <a:t>Homeless Shelters</a:t>
-            </a:r>
-          </a:p>
-          <a:p>
-            <a:r>
-              <a:rPr lang="en-US" dirty="0"/>
-              <a:t>Colleges/Schools </a:t>
             </a:r>
           </a:p>
         </p:txBody>
@@ -3887,7 +3875,9 @@
         </p:nvSpPr>
         <p:spPr/>
         <p:txBody>
-          <a:bodyPr/>
+          <a:bodyPr>
+            <a:normAutofit lnSpcReduction="10000"/>
+          </a:bodyPr>
           <a:lstStyle/>
           <a:p>
             <a:r>
@@ -3948,7 +3938,21 @@
             <a:pPr lvl="2"/>
             <a:r>
               <a:rPr lang="en-US" dirty="0"/>
-              <a:t>Secondary: Business providing aid/Sports Arenas/CERT locations/Emergency Shelters/Homeless Shelters/Colleges</a:t>
+              <a:t>Secondary: Sports Arenas/CERT locations/Emergency Shelters/Homeless Shelters/Colleges/Schools</a:t>
+            </a:r>
+          </a:p>
+          <a:p>
+            <a:pPr lvl="2"/>
+            <a:r>
+              <a:rPr lang="en-US" dirty="0"/>
+              <a:t>Able to call nonemergency lines</a:t>
+            </a:r>
+          </a:p>
+          <a:p>
+            <a:pPr lvl="3"/>
+            <a:r>
+              <a:rPr lang="en-US" dirty="0"/>
+              <a:t>In an emergency call 911</a:t>
             </a:r>
           </a:p>
           <a:p>
@@ -4289,9 +4293,16 @@
             <p:ph idx="1"/>
           </p:nvPr>
         </p:nvSpPr>
-        <p:spPr/>
-        <p:txBody>
-          <a:bodyPr/>
+        <p:spPr>
+          <a:xfrm>
+            <a:off x="838200" y="1800687"/>
+            <a:ext cx="10515600" cy="4351338"/>
+          </a:xfrm>
+        </p:spPr>
+        <p:txBody>
+          <a:bodyPr>
+            <a:normAutofit lnSpcReduction="10000"/>
+          </a:bodyPr>
           <a:lstStyle/>
           <a:p>
             <a:r>
@@ -4339,6 +4350,38 @@
               <a:rPr lang="en-US" dirty="0"/>
               <a:t>Integration point for other apps to integrate to coordinate services</a:t>
             </a:r>
+          </a:p>
+          <a:p>
+            <a:pPr lvl="1"/>
+            <a:r>
+              <a:rPr lang="en-US" dirty="0"/>
+              <a:t>Example: </a:t>
+            </a:r>
+          </a:p>
+          <a:p>
+            <a:pPr lvl="2"/>
+            <a:r>
+              <a:rPr lang="en-US" dirty="0"/>
+              <a:t>Business providing aid - Businesses that have stated they will help the community in case of large-scale emergencies</a:t>
+            </a:r>
+          </a:p>
+          <a:p>
+            <a:pPr lvl="2"/>
+            <a:r>
+              <a:rPr lang="en-US" dirty="0"/>
+              <a:t>Uber/Lyft – Offer delivery services for vital equipment</a:t>
+            </a:r>
+          </a:p>
+          <a:p>
+            <a:pPr lvl="2"/>
+            <a:r>
+              <a:rPr lang="en-US" dirty="0"/>
+              <a:t>Instacart – Offer delivery of food to communities </a:t>
+            </a:r>
+          </a:p>
+          <a:p>
+            <a:pPr lvl="1"/>
+            <a:endParaRPr lang="en-US" dirty="0"/>
           </a:p>
           <a:p>
             <a:endParaRPr lang="en-US" dirty="0"/>

--- a/SafetySeeds.pptx
+++ b/SafetySeeds.pptx
@@ -112,6 +112,26 @@
     </a:lvl9pPr>
   </p:defaultTextStyle>
   <p:extLst>
+    <p:ext uri="{521415D9-36F7-43E2-AB2F-B90AF26B5E84}">
+      <p14:sectionLst xmlns:p14="http://schemas.microsoft.com/office/powerpoint/2010/main">
+        <p14:section name="Default Section" id="{4872AEE6-7BFC-4143-9B61-79C5FB40BEB7}">
+          <p14:sldIdLst>
+            <p14:sldId id="256"/>
+          </p14:sldIdLst>
+        </p14:section>
+        <p14:section name="Untitled Section" id="{34A7D7C2-F9C1-4F2B-B680-00E9E9F0B424}">
+          <p14:sldIdLst>
+            <p14:sldId id="257"/>
+            <p14:sldId id="258"/>
+            <p14:sldId id="259"/>
+            <p14:sldId id="260"/>
+            <p14:sldId id="261"/>
+            <p14:sldId id="262"/>
+            <p14:sldId id="264"/>
+          </p14:sldIdLst>
+        </p14:section>
+      </p14:sectionLst>
+    </p:ext>
     <p:ext uri="{EFAFB233-063F-42B5-8137-9DF3F51BA10A}">
       <p15:sldGuideLst xmlns:p15="http://schemas.microsoft.com/office/powerpoint/2012/main"/>
     </p:ext>
@@ -3511,7 +3531,13 @@
           <a:p>
             <a:r>
               <a:rPr lang="en-US" dirty="0"/>
-              <a:t>Food Pantries</a:t>
+              <a:t>Urgent Care Center</a:t>
+            </a:r>
+          </a:p>
+          <a:p>
+            <a:r>
+              <a:rPr lang="en-US" dirty="0"/>
+              <a:t>Crisis Center (Mental Behavior health/substance abuse)</a:t>
             </a:r>
           </a:p>
           <a:p>
@@ -3649,6 +3675,18 @@
               <a:t>Sports Arenas</a:t>
             </a:r>
           </a:p>
+          <a:p>
+            <a:r>
+              <a:rPr lang="en-US" dirty="0"/>
+              <a:t>Food Pantries</a:t>
+            </a:r>
+          </a:p>
+          <a:p>
+            <a:pPr marL="0" indent="0">
+              <a:buNone/>
+            </a:pPr>
+            <a:endParaRPr lang="en-US" dirty="0"/>
+          </a:p>
         </p:txBody>
       </p:sp>
     </p:spTree>
@@ -4293,12 +4331,7 @@
             <p:ph idx="1"/>
           </p:nvPr>
         </p:nvSpPr>
-        <p:spPr>
-          <a:xfrm>
-            <a:off x="838200" y="1800687"/>
-            <a:ext cx="10515600" cy="4351338"/>
-          </a:xfrm>
-        </p:spPr>
+        <p:spPr/>
         <p:txBody>
           <a:bodyPr>
             <a:normAutofit lnSpcReduction="10000"/>
